--- a/prezentace.pptx
+++ b/prezentace.pptx
@@ -3627,7 +3627,7 @@
           </a:p>
           <a:p>
             <a:r>
-              <a:rPr lang="cs-CZ"/>
+              <a:rPr lang="cs-CZ" dirty="0"/>
               <a:t>Kateřina Šmajzrová (xsmajz00)</a:t>
             </a:r>
             <a:endParaRPr lang="cs-CZ" dirty="0" smtClean="0"/>

--- a/prezentace.pptx
+++ b/prezentace.pptx
@@ -294,7 +294,7 @@
           <a:p>
             <a:fld id="{1E3575E2-48B2-4CB4-B740-C1DEF6F64BE9}" type="datetimeFigureOut">
               <a:rPr lang="cs-CZ" smtClean="0"/>
-              <a:t>4.12.2017</a:t>
+              <a:t>11.12.2017</a:t>
             </a:fld>
             <a:endParaRPr lang="cs-CZ"/>
           </a:p>
@@ -464,7 +464,7 @@
           <a:p>
             <a:fld id="{1E3575E2-48B2-4CB4-B740-C1DEF6F64BE9}" type="datetimeFigureOut">
               <a:rPr lang="cs-CZ" smtClean="0"/>
-              <a:t>4.12.2017</a:t>
+              <a:t>11.12.2017</a:t>
             </a:fld>
             <a:endParaRPr lang="cs-CZ"/>
           </a:p>
@@ -687,7 +687,7 @@
           <a:p>
             <a:fld id="{1E3575E2-48B2-4CB4-B740-C1DEF6F64BE9}" type="datetimeFigureOut">
               <a:rPr lang="cs-CZ" smtClean="0"/>
-              <a:t>4.12.2017</a:t>
+              <a:t>11.12.2017</a:t>
             </a:fld>
             <a:endParaRPr lang="cs-CZ"/>
           </a:p>
@@ -867,7 +867,7 @@
           <a:p>
             <a:fld id="{1E3575E2-48B2-4CB4-B740-C1DEF6F64BE9}" type="datetimeFigureOut">
               <a:rPr lang="cs-CZ" smtClean="0"/>
-              <a:t>4.12.2017</a:t>
+              <a:t>11.12.2017</a:t>
             </a:fld>
             <a:endParaRPr lang="cs-CZ"/>
           </a:p>
@@ -1173,7 +1173,7 @@
           <a:p>
             <a:fld id="{1E3575E2-48B2-4CB4-B740-C1DEF6F64BE9}" type="datetimeFigureOut">
               <a:rPr lang="cs-CZ" smtClean="0"/>
-              <a:t>4.12.2017</a:t>
+              <a:t>11.12.2017</a:t>
             </a:fld>
             <a:endParaRPr lang="cs-CZ"/>
           </a:p>
@@ -1477,7 +1477,7 @@
           <a:p>
             <a:fld id="{1E3575E2-48B2-4CB4-B740-C1DEF6F64BE9}" type="datetimeFigureOut">
               <a:rPr lang="cs-CZ" smtClean="0"/>
-              <a:t>4.12.2017</a:t>
+              <a:t>11.12.2017</a:t>
             </a:fld>
             <a:endParaRPr lang="cs-CZ"/>
           </a:p>
@@ -1899,7 +1899,7 @@
           <a:p>
             <a:fld id="{1E3575E2-48B2-4CB4-B740-C1DEF6F64BE9}" type="datetimeFigureOut">
               <a:rPr lang="cs-CZ" smtClean="0"/>
-              <a:t>4.12.2017</a:t>
+              <a:t>11.12.2017</a:t>
             </a:fld>
             <a:endParaRPr lang="cs-CZ"/>
           </a:p>
@@ -2017,7 +2017,7 @@
           <a:p>
             <a:fld id="{1E3575E2-48B2-4CB4-B740-C1DEF6F64BE9}" type="datetimeFigureOut">
               <a:rPr lang="cs-CZ" smtClean="0"/>
-              <a:t>4.12.2017</a:t>
+              <a:t>11.12.2017</a:t>
             </a:fld>
             <a:endParaRPr lang="cs-CZ"/>
           </a:p>
@@ -2112,7 +2112,7 @@
           <a:p>
             <a:fld id="{1E3575E2-48B2-4CB4-B740-C1DEF6F64BE9}" type="datetimeFigureOut">
               <a:rPr lang="cs-CZ" smtClean="0"/>
-              <a:t>4.12.2017</a:t>
+              <a:t>11.12.2017</a:t>
             </a:fld>
             <a:endParaRPr lang="cs-CZ"/>
           </a:p>
@@ -2385,7 +2385,7 @@
           <a:p>
             <a:fld id="{1E3575E2-48B2-4CB4-B740-C1DEF6F64BE9}" type="datetimeFigureOut">
               <a:rPr lang="cs-CZ" smtClean="0"/>
-              <a:t>4.12.2017</a:t>
+              <a:t>11.12.2017</a:t>
             </a:fld>
             <a:endParaRPr lang="cs-CZ"/>
           </a:p>
@@ -2650,7 +2650,7 @@
           <a:p>
             <a:fld id="{1E3575E2-48B2-4CB4-B740-C1DEF6F64BE9}" type="datetimeFigureOut">
               <a:rPr lang="cs-CZ" smtClean="0"/>
-              <a:t>4.12.2017</a:t>
+              <a:t>11.12.2017</a:t>
             </a:fld>
             <a:endParaRPr lang="cs-CZ"/>
           </a:p>
@@ -2899,7 +2899,7 @@
           <a:p>
             <a:fld id="{1E3575E2-48B2-4CB4-B740-C1DEF6F64BE9}" type="datetimeFigureOut">
               <a:rPr lang="cs-CZ" smtClean="0"/>
-              <a:t>4.12.2017</a:t>
+              <a:t>11.12.2017</a:t>
             </a:fld>
             <a:endParaRPr lang="cs-CZ"/>
           </a:p>
@@ -3614,15 +3614,7 @@
           <a:p>
             <a:r>
               <a:rPr lang="cs-CZ" dirty="0" smtClean="0"/>
-              <a:t>Michael </a:t>
-            </a:r>
-            <a:r>
-              <a:rPr lang="cs-CZ" dirty="0" smtClean="0"/>
-              <a:t>Schmid (xschmi08</a:t>
-            </a:r>
-            <a:r>
-              <a:rPr lang="cs-CZ" dirty="0" smtClean="0"/>
-              <a:t>)</a:t>
+              <a:t>Michael Schmid (xschmi08)</a:t>
             </a:r>
           </a:p>
           <a:p>
@@ -4265,8 +4257,19 @@
           <a:p>
             <a:r>
               <a:rPr lang="cs-CZ" dirty="0" smtClean="0"/>
-              <a:t>Změna stylu mobilu</a:t>
-            </a:r>
+              <a:t>Změna stylu </a:t>
+            </a:r>
+            <a:r>
+              <a:rPr lang="cs-CZ" dirty="0" smtClean="0"/>
+              <a:t>mobilu</a:t>
+            </a:r>
+          </a:p>
+          <a:p>
+            <a:r>
+              <a:rPr lang="cs-CZ" dirty="0" smtClean="0"/>
+              <a:t>Rozdělení práce</a:t>
+            </a:r>
+            <a:endParaRPr lang="cs-CZ" dirty="0" smtClean="0"/>
           </a:p>
           <a:p>
             <a:endParaRPr lang="cs-CZ" dirty="0" smtClean="0"/>
@@ -4302,7 +4305,7 @@
         </p:blipFill>
         <p:spPr bwMode="auto">
           <a:xfrm>
-            <a:off x="1202919" y="4618001"/>
+            <a:off x="1202919" y="4871875"/>
             <a:ext cx="1779005" cy="1779005"/>
           </a:xfrm>
           <a:prstGeom prst="rect">
@@ -4343,7 +4346,7 @@
         </p:blipFill>
         <p:spPr bwMode="auto">
           <a:xfrm>
-            <a:off x="3999419" y="4514527"/>
+            <a:off x="4016100" y="4722757"/>
             <a:ext cx="1644292" cy="1792936"/>
           </a:xfrm>
           <a:prstGeom prst="rect">
@@ -4384,7 +4387,7 @@
         </p:blipFill>
         <p:spPr bwMode="auto">
           <a:xfrm>
-            <a:off x="8698088" y="4871875"/>
+            <a:off x="8717622" y="4920515"/>
             <a:ext cx="3429648" cy="1271256"/>
           </a:xfrm>
           <a:prstGeom prst="rect">
@@ -4425,7 +4428,7 @@
         </p:blipFill>
         <p:spPr bwMode="auto">
           <a:xfrm>
-            <a:off x="6094959" y="4618001"/>
+            <a:off x="6316838" y="4628624"/>
             <a:ext cx="2381250" cy="1981201"/>
           </a:xfrm>
           <a:prstGeom prst="rect">
